--- a/Research/paper/論文SPOAR.pptx
+++ b/Research/paper/論文SPOAR.pptx
@@ -5,18 +5,19 @@
     <p:sldMasterId id="2147483660" r:id="rId1"/>
   </p:sldMasterIdLst>
   <p:notesMasterIdLst>
-    <p:notesMasterId r:id="rId11"/>
+    <p:notesMasterId r:id="rId12"/>
   </p:notesMasterIdLst>
   <p:sldIdLst>
     <p:sldId id="256" r:id="rId2"/>
-    <p:sldId id="257" r:id="rId3"/>
-    <p:sldId id="258" r:id="rId4"/>
-    <p:sldId id="259" r:id="rId5"/>
-    <p:sldId id="260" r:id="rId6"/>
-    <p:sldId id="261" r:id="rId7"/>
-    <p:sldId id="262" r:id="rId8"/>
-    <p:sldId id="263" r:id="rId9"/>
-    <p:sldId id="264" r:id="rId10"/>
+    <p:sldId id="265" r:id="rId3"/>
+    <p:sldId id="257" r:id="rId4"/>
+    <p:sldId id="258" r:id="rId5"/>
+    <p:sldId id="259" r:id="rId6"/>
+    <p:sldId id="260" r:id="rId7"/>
+    <p:sldId id="261" r:id="rId8"/>
+    <p:sldId id="262" r:id="rId9"/>
+    <p:sldId id="263" r:id="rId10"/>
+    <p:sldId id="264" r:id="rId11"/>
   </p:sldIdLst>
   <p:sldSz cx="9144000" cy="6858000" type="screen4x3"/>
   <p:notesSz cx="6858000" cy="9144000"/>
@@ -115,6 +116,11 @@
       </a:defRPr>
     </a:lvl9pPr>
   </p:defaultTextStyle>
+  <p:extLst>
+    <p:ext uri="{EFAFB233-063F-42B5-8137-9DF3F51BA10A}">
+      <p15:sldGuideLst xmlns:p15="http://schemas.microsoft.com/office/powerpoint/2012/main"/>
+    </p:ext>
+  </p:extLst>
 </p:presentation>
 </file>
 
@@ -200,7 +206,7 @@
           <a:p>
             <a:fld id="{256729F7-1FF6-A14E-AA29-F8BF76704404}" type="datetimeFigureOut">
               <a:rPr kumimoji="1" lang="ja-JP" altLang="en-US" smtClean="0"/>
-              <a:t>2017/5/19</a:t>
+              <a:t>2017/5/20</a:t>
             </a:fld>
             <a:endParaRPr kumimoji="1" lang="ja-JP" altLang="en-US"/>
           </a:p>
@@ -565,7 +571,7 @@
           <a:p>
             <a:fld id="{B94A8C6F-84E6-6E44-80F0-2BC4017CD1AC}" type="slidenum">
               <a:rPr kumimoji="1" lang="ja-JP" altLang="en-US" smtClean="0"/>
-              <a:t>1</a:t>
+              <a:t>2</a:t>
             </a:fld>
             <a:endParaRPr kumimoji="1" lang="ja-JP" altLang="en-US"/>
           </a:p>
@@ -649,7 +655,7 @@
           <a:p>
             <a:fld id="{B94A8C6F-84E6-6E44-80F0-2BC4017CD1AC}" type="slidenum">
               <a:rPr kumimoji="1" lang="ja-JP" altLang="en-US" smtClean="0"/>
-              <a:t>2</a:t>
+              <a:t>3</a:t>
             </a:fld>
             <a:endParaRPr kumimoji="1" lang="ja-JP" altLang="en-US"/>
           </a:p>
@@ -733,7 +739,7 @@
           <a:p>
             <a:fld id="{B94A8C6F-84E6-6E44-80F0-2BC4017CD1AC}" type="slidenum">
               <a:rPr kumimoji="1" lang="ja-JP" altLang="en-US" smtClean="0"/>
-              <a:t>3</a:t>
+              <a:t>4</a:t>
             </a:fld>
             <a:endParaRPr kumimoji="1" lang="ja-JP" altLang="en-US"/>
           </a:p>
@@ -817,7 +823,7 @@
           <a:p>
             <a:fld id="{B94A8C6F-84E6-6E44-80F0-2BC4017CD1AC}" type="slidenum">
               <a:rPr kumimoji="1" lang="ja-JP" altLang="en-US" smtClean="0"/>
-              <a:t>4</a:t>
+              <a:t>5</a:t>
             </a:fld>
             <a:endParaRPr kumimoji="1" lang="ja-JP" altLang="en-US"/>
           </a:p>
@@ -901,7 +907,7 @@
           <a:p>
             <a:fld id="{B94A8C6F-84E6-6E44-80F0-2BC4017CD1AC}" type="slidenum">
               <a:rPr kumimoji="1" lang="ja-JP" altLang="en-US" smtClean="0"/>
-              <a:t>5</a:t>
+              <a:t>6</a:t>
             </a:fld>
             <a:endParaRPr kumimoji="1" lang="ja-JP" altLang="en-US"/>
           </a:p>
@@ -985,7 +991,7 @@
           <a:p>
             <a:fld id="{B94A8C6F-84E6-6E44-80F0-2BC4017CD1AC}" type="slidenum">
               <a:rPr kumimoji="1" lang="ja-JP" altLang="en-US" smtClean="0"/>
-              <a:t>6</a:t>
+              <a:t>7</a:t>
             </a:fld>
             <a:endParaRPr kumimoji="1" lang="ja-JP" altLang="en-US"/>
           </a:p>
@@ -1069,7 +1075,7 @@
           <a:p>
             <a:fld id="{B94A8C6F-84E6-6E44-80F0-2BC4017CD1AC}" type="slidenum">
               <a:rPr kumimoji="1" lang="ja-JP" altLang="en-US" smtClean="0"/>
-              <a:t>7</a:t>
+              <a:t>8</a:t>
             </a:fld>
             <a:endParaRPr kumimoji="1" lang="ja-JP" altLang="en-US"/>
           </a:p>
@@ -1153,7 +1159,7 @@
           <a:p>
             <a:fld id="{B94A8C6F-84E6-6E44-80F0-2BC4017CD1AC}" type="slidenum">
               <a:rPr kumimoji="1" lang="ja-JP" altLang="en-US" smtClean="0"/>
-              <a:t>8</a:t>
+              <a:t>9</a:t>
             </a:fld>
             <a:endParaRPr kumimoji="1" lang="ja-JP" altLang="en-US"/>
           </a:p>
@@ -1303,7 +1309,7 @@
           <a:p>
             <a:fld id="{03B6C87C-12B1-7D42-AE97-4E71E0DD2A4C}" type="datetime1">
               <a:rPr kumimoji="1" lang="ja-JP" altLang="en-US" smtClean="0"/>
-              <a:t>2017/5/19</a:t>
+              <a:t>2017/5/20</a:t>
             </a:fld>
             <a:endParaRPr kumimoji="1" lang="ja-JP" altLang="en-US"/>
           </a:p>
@@ -1500,7 +1506,7 @@
           <a:p>
             <a:fld id="{617CB201-3CD8-F342-B24C-F0F82EBF7189}" type="datetime1">
               <a:rPr kumimoji="1" lang="ja-JP" altLang="en-US" smtClean="0"/>
-              <a:t>2017/5/19</a:t>
+              <a:t>2017/5/20</a:t>
             </a:fld>
             <a:endParaRPr kumimoji="1" lang="ja-JP" altLang="en-US"/>
           </a:p>
@@ -1707,7 +1713,7 @@
           <a:p>
             <a:fld id="{3DB99781-BC38-A047-86D2-37285FA04C70}" type="datetime1">
               <a:rPr kumimoji="1" lang="ja-JP" altLang="en-US" smtClean="0"/>
-              <a:t>2017/5/19</a:t>
+              <a:t>2017/5/20</a:t>
             </a:fld>
             <a:endParaRPr kumimoji="1" lang="ja-JP" altLang="en-US"/>
           </a:p>
@@ -1904,7 +1910,7 @@
           <a:p>
             <a:fld id="{C8A01EAF-9956-0A45-B1B5-46EA162BB344}" type="datetime1">
               <a:rPr kumimoji="1" lang="ja-JP" altLang="en-US" smtClean="0"/>
-              <a:t>2017/5/19</a:t>
+              <a:t>2017/5/20</a:t>
             </a:fld>
             <a:endParaRPr kumimoji="1" lang="ja-JP" altLang="en-US"/>
           </a:p>
@@ -2155,7 +2161,7 @@
           <a:p>
             <a:fld id="{1952407A-2D86-B046-BB43-A6A4B8AC2F72}" type="datetime1">
               <a:rPr kumimoji="1" lang="ja-JP" altLang="en-US" smtClean="0"/>
-              <a:t>2017/5/19</a:t>
+              <a:t>2017/5/20</a:t>
             </a:fld>
             <a:endParaRPr kumimoji="1" lang="ja-JP" altLang="en-US"/>
           </a:p>
@@ -2446,7 +2452,7 @@
           <a:p>
             <a:fld id="{90FDE339-FB60-F94A-A7B9-4DB6895418B5}" type="datetime1">
               <a:rPr kumimoji="1" lang="ja-JP" altLang="en-US" smtClean="0"/>
-              <a:t>2017/5/19</a:t>
+              <a:t>2017/5/20</a:t>
             </a:fld>
             <a:endParaRPr kumimoji="1" lang="ja-JP" altLang="en-US"/>
           </a:p>
@@ -2872,7 +2878,7 @@
           <a:p>
             <a:fld id="{818A983B-EA0A-F445-AFD9-A1169AB60E1B}" type="datetime1">
               <a:rPr kumimoji="1" lang="ja-JP" altLang="en-US" smtClean="0"/>
-              <a:t>2017/5/19</a:t>
+              <a:t>2017/5/20</a:t>
             </a:fld>
             <a:endParaRPr kumimoji="1" lang="ja-JP" altLang="en-US"/>
           </a:p>
@@ -2985,7 +2991,7 @@
           <a:p>
             <a:fld id="{D99F8E23-7A2F-C54E-9C63-83B2B474A3BA}" type="datetime1">
               <a:rPr kumimoji="1" lang="ja-JP" altLang="en-US" smtClean="0"/>
-              <a:t>2017/5/19</a:t>
+              <a:t>2017/5/20</a:t>
             </a:fld>
             <a:endParaRPr kumimoji="1" lang="ja-JP" altLang="en-US"/>
           </a:p>
@@ -3075,7 +3081,7 @@
           <a:p>
             <a:fld id="{6DC58E1C-D4EC-9D4B-A762-29C4C1AF44FB}" type="datetime1">
               <a:rPr kumimoji="1" lang="ja-JP" altLang="en-US" smtClean="0"/>
-              <a:t>2017/5/19</a:t>
+              <a:t>2017/5/20</a:t>
             </a:fld>
             <a:endParaRPr kumimoji="1" lang="ja-JP" altLang="en-US"/>
           </a:p>
@@ -3379,7 +3385,7 @@
           <a:p>
             <a:fld id="{2E09B144-F1D2-B54B-9AD3-7384E58C1090}" type="datetime1">
               <a:rPr kumimoji="1" lang="ja-JP" altLang="en-US" smtClean="0"/>
-              <a:t>2017/5/19</a:t>
+              <a:t>2017/5/20</a:t>
             </a:fld>
             <a:endParaRPr kumimoji="1" lang="ja-JP" altLang="en-US"/>
           </a:p>
@@ -3631,7 +3637,7 @@
           <a:p>
             <a:fld id="{D20060BE-D3CF-5744-94BB-107A2B7AAAB0}" type="datetime1">
               <a:rPr kumimoji="1" lang="ja-JP" altLang="en-US" smtClean="0"/>
-              <a:t>2017/5/19</a:t>
+              <a:t>2017/5/20</a:t>
             </a:fld>
             <a:endParaRPr kumimoji="1" lang="ja-JP" altLang="en-US"/>
           </a:p>
@@ -3871,7 +3877,7 @@
           <a:p>
             <a:fld id="{0780C876-8604-7043-B0BB-68EC22EA265E}" type="datetime1">
               <a:rPr kumimoji="1" lang="ja-JP" altLang="en-US" smtClean="0"/>
-              <a:t>2017/5/19</a:t>
+              <a:t>2017/5/20</a:t>
             </a:fld>
             <a:endParaRPr kumimoji="1" lang="ja-JP" altLang="en-US"/>
           </a:p>
@@ -4377,6 +4383,148 @@
 </p:sld>
 </file>
 
+<file path=ppt/slides/slide10.xml><?xml version="1.0" encoding="utf-8"?>
+<p:sld xmlns:a="http://schemas.openxmlformats.org/drawingml/2006/main" xmlns:r="http://schemas.openxmlformats.org/officeDocument/2006/relationships" xmlns:p="http://schemas.openxmlformats.org/presentationml/2006/main">
+  <p:cSld>
+    <p:spTree>
+      <p:nvGrpSpPr>
+        <p:cNvPr id="1" name=""/>
+        <p:cNvGrpSpPr/>
+        <p:nvPr/>
+      </p:nvGrpSpPr>
+      <p:grpSpPr>
+        <a:xfrm>
+          <a:off x="0" y="0"/>
+          <a:ext cx="0" cy="0"/>
+          <a:chOff x="0" y="0"/>
+          <a:chExt cx="0" cy="0"/>
+        </a:xfrm>
+      </p:grpSpPr>
+      <p:sp>
+        <p:nvSpPr>
+          <p:cNvPr id="2" name="タイトル 1"/>
+          <p:cNvSpPr>
+            <a:spLocks noGrp="1"/>
+          </p:cNvSpPr>
+          <p:nvPr>
+            <p:ph type="title"/>
+          </p:nvPr>
+        </p:nvSpPr>
+        <p:spPr>
+          <a:xfrm>
+            <a:off x="628650" y="365127"/>
+            <a:ext cx="7886700" cy="735012"/>
+          </a:xfrm>
+        </p:spPr>
+        <p:txBody>
+          <a:bodyPr>
+            <a:normAutofit/>
+          </a:bodyPr>
+          <a:lstStyle/>
+          <a:p>
+            <a:endParaRPr kumimoji="1" lang="ja-JP" altLang="en-US" sz="2800"/>
+          </a:p>
+        </p:txBody>
+      </p:sp>
+      <p:sp>
+        <p:nvSpPr>
+          <p:cNvPr id="3" name="コンテンツ プレースホルダー 2"/>
+          <p:cNvSpPr>
+            <a:spLocks noGrp="1"/>
+          </p:cNvSpPr>
+          <p:nvPr>
+            <p:ph idx="1"/>
+          </p:nvPr>
+        </p:nvSpPr>
+        <p:spPr>
+          <a:xfrm>
+            <a:off x="628650" y="1271588"/>
+            <a:ext cx="7886700" cy="4905375"/>
+          </a:xfrm>
+        </p:spPr>
+        <p:txBody>
+          <a:bodyPr>
+            <a:normAutofit/>
+          </a:bodyPr>
+          <a:lstStyle/>
+          <a:p>
+            <a:r>
+              <a:rPr kumimoji="1" lang="en-US" altLang="ja-JP" sz="2000" dirty="0" smtClean="0"/>
+              <a:t>Scenario</a:t>
+            </a:r>
+            <a:endParaRPr kumimoji="1" lang="en-US" altLang="ja-JP" sz="1600" dirty="0" smtClean="0"/>
+          </a:p>
+          <a:p>
+            <a:r>
+              <a:rPr lang="en-US" altLang="ja-JP" sz="2000" dirty="0" smtClean="0"/>
+              <a:t>Problem</a:t>
+            </a:r>
+          </a:p>
+          <a:p>
+            <a:r>
+              <a:rPr kumimoji="1" lang="en-US" altLang="ja-JP" sz="2000" dirty="0" smtClean="0"/>
+              <a:t>Other Solution</a:t>
+            </a:r>
+          </a:p>
+          <a:p>
+            <a:r>
+              <a:rPr lang="en-US" altLang="ja-JP" sz="2000" dirty="0" smtClean="0"/>
+              <a:t>Approach</a:t>
+            </a:r>
+          </a:p>
+          <a:p>
+            <a:r>
+              <a:rPr kumimoji="1" lang="en-US" altLang="ja-JP" sz="2000" dirty="0" smtClean="0"/>
+              <a:t>Result</a:t>
+            </a:r>
+            <a:endParaRPr kumimoji="1" lang="ja-JP" altLang="en-US" sz="2000" dirty="0"/>
+          </a:p>
+        </p:txBody>
+      </p:sp>
+      <p:sp>
+        <p:nvSpPr>
+          <p:cNvPr id="4" name="スライド番号プレースホルダー 3"/>
+          <p:cNvSpPr>
+            <a:spLocks noGrp="1"/>
+          </p:cNvSpPr>
+          <p:nvPr>
+            <p:ph type="sldNum" sz="quarter" idx="12"/>
+          </p:nvPr>
+        </p:nvSpPr>
+        <p:spPr/>
+        <p:txBody>
+          <a:bodyPr/>
+          <a:lstStyle/>
+          <a:p>
+            <a:fld id="{49557760-D770-7941-94C6-721C92D263AA}" type="slidenum">
+              <a:rPr lang="ja-JP" altLang="en-US" smtClean="0"/>
+              <a:pPr/>
+              <a:t>9</a:t>
+            </a:fld>
+            <a:endParaRPr lang="ja-JP" altLang="en-US"/>
+          </a:p>
+        </p:txBody>
+      </p:sp>
+    </p:spTree>
+    <p:extLst>
+      <p:ext uri="{BB962C8B-B14F-4D97-AF65-F5344CB8AC3E}">
+        <p14:creationId xmlns:p14="http://schemas.microsoft.com/office/powerpoint/2010/main" val="855407169"/>
+      </p:ext>
+    </p:extLst>
+  </p:cSld>
+  <p:clrMapOvr>
+    <a:masterClrMapping/>
+  </p:clrMapOvr>
+  <p:timing>
+    <p:tnLst>
+      <p:par>
+        <p:cTn id="1" dur="indefinite" restart="never" nodeType="tmRoot"/>
+      </p:par>
+    </p:tnLst>
+  </p:timing>
+</p:sld>
+</file>
+
 <file path=ppt/slides/slide2.xml><?xml version="1.0" encoding="utf-8"?>
 <p:sld xmlns:a="http://schemas.openxmlformats.org/drawingml/2006/main" xmlns:r="http://schemas.openxmlformats.org/officeDocument/2006/relationships" xmlns:p="http://schemas.openxmlformats.org/presentationml/2006/main">
   <p:cSld>
@@ -4406,46 +4554,8 @@
         </p:nvSpPr>
         <p:spPr>
           <a:xfrm>
-            <a:off x="628650" y="365127"/>
-            <a:ext cx="7886700" cy="735012"/>
-          </a:xfrm>
-        </p:spPr>
-        <p:txBody>
-          <a:bodyPr>
-            <a:normAutofit fontScale="90000"/>
-          </a:bodyPr>
-          <a:lstStyle/>
-          <a:p>
-            <a:r>
-              <a:rPr lang="en-US" altLang="ja-JP" sz="2400" dirty="0"/>
-              <a:t>Xavier Alameda-Pineda </a:t>
-            </a:r>
-            <a:r>
-              <a:rPr lang="en-US" altLang="ja-JP" sz="2400" dirty="0" smtClean="0"/>
-              <a:t>: </a:t>
-            </a:r>
-            <a:r>
-              <a:rPr kumimoji="1" lang="en-US" altLang="ja-JP" sz="2800" dirty="0" smtClean="0"/>
-              <a:t>A Geometric to Sound Source Localization from Time-Delay Estimates </a:t>
-            </a:r>
-            <a:endParaRPr kumimoji="1" lang="ja-JP" altLang="en-US" sz="2800" dirty="0"/>
-          </a:p>
-        </p:txBody>
-      </p:sp>
-      <p:sp>
-        <p:nvSpPr>
-          <p:cNvPr id="3" name="コンテンツ プレースホルダー 2"/>
-          <p:cNvSpPr>
-            <a:spLocks noGrp="1"/>
-          </p:cNvSpPr>
-          <p:nvPr>
-            <p:ph idx="1"/>
-          </p:nvPr>
-        </p:nvSpPr>
-        <p:spPr>
-          <a:xfrm>
-            <a:off x="628650" y="1271588"/>
-            <a:ext cx="7886700" cy="4905375"/>
+            <a:off x="628650" y="365126"/>
+            <a:ext cx="7886700" cy="759481"/>
           </a:xfrm>
         </p:spPr>
         <p:txBody>
@@ -4455,38 +4565,52 @@
           <a:lstStyle/>
           <a:p>
             <a:r>
-              <a:rPr kumimoji="1" lang="en-US" altLang="ja-JP" sz="2000" dirty="0" smtClean="0"/>
-              <a:t>Scenario</a:t>
-            </a:r>
-          </a:p>
-          <a:p>
-            <a:pPr lvl="1"/>
-            <a:endParaRPr kumimoji="1" lang="en-US" altLang="ja-JP" sz="1200" dirty="0" smtClean="0"/>
-          </a:p>
-          <a:p>
-            <a:r>
-              <a:rPr lang="en-US" altLang="ja-JP" sz="2000" dirty="0" smtClean="0"/>
-              <a:t>Problem</a:t>
-            </a:r>
-          </a:p>
-          <a:p>
-            <a:r>
-              <a:rPr kumimoji="1" lang="en-US" altLang="ja-JP" sz="2000" dirty="0" smtClean="0"/>
-              <a:t>Other Solution</a:t>
-            </a:r>
-          </a:p>
-          <a:p>
-            <a:r>
-              <a:rPr lang="en-US" altLang="ja-JP" sz="2000" dirty="0" smtClean="0"/>
-              <a:t>Approach</a:t>
-            </a:r>
-          </a:p>
-          <a:p>
-            <a:r>
-              <a:rPr kumimoji="1" lang="en-US" altLang="ja-JP" sz="2000" dirty="0" smtClean="0"/>
-              <a:t>Result</a:t>
-            </a:r>
-            <a:endParaRPr kumimoji="1" lang="ja-JP" altLang="en-US" sz="2000" dirty="0"/>
+              <a:rPr kumimoji="1" lang="ja-JP" altLang="en-US" sz="3200" smtClean="0"/>
+              <a:t>用語</a:t>
+            </a:r>
+            <a:endParaRPr kumimoji="1" lang="ja-JP" altLang="en-US" sz="3200"/>
+          </a:p>
+        </p:txBody>
+      </p:sp>
+      <p:sp>
+        <p:nvSpPr>
+          <p:cNvPr id="3" name="コンテンツ プレースホルダー 2"/>
+          <p:cNvSpPr>
+            <a:spLocks noGrp="1"/>
+          </p:cNvSpPr>
+          <p:nvPr>
+            <p:ph idx="1"/>
+          </p:nvPr>
+        </p:nvSpPr>
+        <p:spPr>
+          <a:xfrm>
+            <a:off x="628650" y="1019503"/>
+            <a:ext cx="7886700" cy="5157460"/>
+          </a:xfrm>
+        </p:spPr>
+        <p:txBody>
+          <a:bodyPr>
+            <a:normAutofit/>
+          </a:bodyPr>
+          <a:lstStyle/>
+          <a:p>
+            <a:r>
+              <a:rPr kumimoji="1" lang="ja-JP" altLang="en-US" sz="1600" dirty="0" smtClean="0"/>
+              <a:t>車軸カウンタ</a:t>
+            </a:r>
+            <a:endParaRPr kumimoji="1" lang="en-US" altLang="ja-JP" sz="1600" dirty="0" smtClean="0"/>
+          </a:p>
+          <a:p>
+            <a:r>
+              <a:rPr lang="en-US" altLang="ja-JP" sz="1600" dirty="0" smtClean="0"/>
+              <a:t>Global Navigation Satellite System(GNSS)</a:t>
+            </a:r>
+          </a:p>
+          <a:p>
+            <a:endParaRPr lang="en-US" altLang="ja-JP" sz="1600" dirty="0" smtClean="0"/>
+          </a:p>
+          <a:p>
+            <a:endParaRPr kumimoji="1" lang="ja-JP" altLang="en-US" sz="1600" dirty="0"/>
           </a:p>
         </p:txBody>
       </p:sp>
@@ -4517,20 +4641,13 @@
     </p:spTree>
     <p:extLst>
       <p:ext uri="{BB962C8B-B14F-4D97-AF65-F5344CB8AC3E}">
-        <p14:creationId xmlns:p14="http://schemas.microsoft.com/office/powerpoint/2010/main" val="408274655"/>
+        <p14:creationId xmlns:p14="http://schemas.microsoft.com/office/powerpoint/2010/main" val="2001820280"/>
       </p:ext>
     </p:extLst>
   </p:cSld>
   <p:clrMapOvr>
     <a:masterClrMapping/>
   </p:clrMapOvr>
-  <p:timing>
-    <p:tnLst>
-      <p:par>
-        <p:cTn id="1" dur="indefinite" restart="never" nodeType="tmRoot"/>
-      </p:par>
-    </p:tnLst>
-  </p:timing>
 </p:sld>
 </file>
 
@@ -4574,8 +4691,16 @@
           <a:lstStyle/>
           <a:p>
             <a:r>
+              <a:rPr lang="en-US" altLang="ja-JP" sz="2400" dirty="0"/>
+              <a:t>Xavier Alameda-Pineda </a:t>
+            </a:r>
+            <a:r>
+              <a:rPr lang="en-US" altLang="ja-JP" sz="2400" dirty="0" smtClean="0"/>
+              <a:t>: </a:t>
+            </a:r>
+            <a:r>
               <a:rPr kumimoji="1" lang="en-US" altLang="ja-JP" sz="2800" dirty="0" smtClean="0"/>
-              <a:t>Real-time Multiple Sound Source Localization and Counting Using a Circular Microphone Array</a:t>
+              <a:t>A Geometric to Sound Source Localization from Time-Delay Estimates </a:t>
             </a:r>
             <a:endParaRPr kumimoji="1" lang="ja-JP" altLang="en-US" sz="2800" dirty="0"/>
           </a:p>
@@ -4607,7 +4732,10 @@
               <a:rPr kumimoji="1" lang="en-US" altLang="ja-JP" sz="2000" dirty="0" smtClean="0"/>
               <a:t>Scenario</a:t>
             </a:r>
-            <a:endParaRPr kumimoji="1" lang="en-US" altLang="ja-JP" sz="1600" dirty="0" smtClean="0"/>
+          </a:p>
+          <a:p>
+            <a:pPr lvl="1"/>
+            <a:endParaRPr kumimoji="1" lang="en-US" altLang="ja-JP" sz="1200" dirty="0" smtClean="0"/>
           </a:p>
           <a:p>
             <a:r>
@@ -4663,7 +4791,7 @@
     </p:spTree>
     <p:extLst>
       <p:ext uri="{BB962C8B-B14F-4D97-AF65-F5344CB8AC3E}">
-        <p14:creationId xmlns:p14="http://schemas.microsoft.com/office/powerpoint/2010/main" val="2036066844"/>
+        <p14:creationId xmlns:p14="http://schemas.microsoft.com/office/powerpoint/2010/main" val="408274655"/>
       </p:ext>
     </p:extLst>
   </p:cSld>
@@ -4715,11 +4843,15 @@
         </p:spPr>
         <p:txBody>
           <a:bodyPr>
-            <a:normAutofit/>
+            <a:normAutofit fontScale="90000"/>
           </a:bodyPr>
           <a:lstStyle/>
           <a:p>
-            <a:endParaRPr kumimoji="1" lang="ja-JP" altLang="en-US" sz="2800"/>
+            <a:r>
+              <a:rPr kumimoji="1" lang="en-US" altLang="ja-JP" sz="2800" dirty="0" smtClean="0"/>
+              <a:t>Real-time Multiple Sound Source Localization and Counting Using a Circular Microphone Array</a:t>
+            </a:r>
+            <a:endParaRPr kumimoji="1" lang="ja-JP" altLang="en-US" sz="2800" dirty="0"/>
           </a:p>
         </p:txBody>
       </p:sp>
@@ -4805,7 +4937,7 @@
     </p:spTree>
     <p:extLst>
       <p:ext uri="{BB962C8B-B14F-4D97-AF65-F5344CB8AC3E}">
-        <p14:creationId xmlns:p14="http://schemas.microsoft.com/office/powerpoint/2010/main" val="368072493"/>
+        <p14:creationId xmlns:p14="http://schemas.microsoft.com/office/powerpoint/2010/main" val="2036066844"/>
       </p:ext>
     </p:extLst>
   </p:cSld>
@@ -4857,11 +4989,15 @@
         </p:spPr>
         <p:txBody>
           <a:bodyPr>
-            <a:normAutofit/>
+            <a:normAutofit fontScale="90000"/>
           </a:bodyPr>
           <a:lstStyle/>
           <a:p>
-            <a:endParaRPr kumimoji="1" lang="ja-JP" altLang="en-US" sz="2800"/>
+            <a:r>
+              <a:rPr kumimoji="1" lang="en-US" altLang="ja-JP" sz="2800" dirty="0" smtClean="0"/>
+              <a:t>A Train Localization Algorithm for Train Protection System of the Future</a:t>
+            </a:r>
+            <a:endParaRPr kumimoji="1" lang="ja-JP" altLang="en-US" sz="2800" dirty="0"/>
           </a:p>
         </p:txBody>
       </p:sp>
@@ -4891,7 +5027,14 @@
               <a:rPr kumimoji="1" lang="en-US" altLang="ja-JP" sz="2000" dirty="0" smtClean="0"/>
               <a:t>Scenario</a:t>
             </a:r>
-            <a:endParaRPr kumimoji="1" lang="en-US" altLang="ja-JP" sz="1600" dirty="0" smtClean="0"/>
+          </a:p>
+          <a:p>
+            <a:pPr lvl="1"/>
+            <a:r>
+              <a:rPr lang="ja-JP" altLang="en-US" sz="1200" dirty="0" smtClean="0"/>
+              <a:t>電車測位のためのアルゴリズム　電車内にシステムを乗せて、そのシステムで測位などをしたい。</a:t>
+            </a:r>
+            <a:endParaRPr kumimoji="1" lang="en-US" altLang="ja-JP" sz="1200" dirty="0" smtClean="0"/>
           </a:p>
           <a:p>
             <a:r>
@@ -4900,10 +5043,54 @@
             </a:r>
           </a:p>
           <a:p>
+            <a:pPr lvl="1"/>
+            <a:r>
+              <a:rPr lang="ja-JP" altLang="en-US" sz="1200" dirty="0" smtClean="0"/>
+              <a:t>現在の</a:t>
+            </a:r>
+            <a:r>
+              <a:rPr lang="en-US" altLang="ja-JP" sz="1200" dirty="0" smtClean="0"/>
+              <a:t>Train Protection System (</a:t>
+            </a:r>
+            <a:r>
+              <a:rPr lang="ja-JP" altLang="en-US" sz="1200" dirty="0" smtClean="0"/>
+              <a:t>電車同士の衝突などを防ぐためのシステム</a:t>
+            </a:r>
+            <a:r>
+              <a:rPr lang="en-US" altLang="ja-JP" sz="1200" dirty="0" smtClean="0"/>
+              <a:t>)</a:t>
+            </a:r>
+            <a:r>
+              <a:rPr lang="ja-JP" altLang="en-US" sz="1200" dirty="0" smtClean="0"/>
+              <a:t>は道路脇のインフラに基づいており、それらはコストが高い。</a:t>
+            </a:r>
+            <a:endParaRPr lang="en-US" altLang="ja-JP" sz="1200" dirty="0" smtClean="0"/>
+          </a:p>
+          <a:p>
             <a:r>
               <a:rPr kumimoji="1" lang="en-US" altLang="ja-JP" sz="2000" dirty="0" smtClean="0"/>
-              <a:t>Other Solution</a:t>
-            </a:r>
+              <a:t>Other </a:t>
+            </a:r>
+            <a:r>
+              <a:rPr kumimoji="1" lang="en-US" altLang="ja-JP" sz="2000" dirty="0" smtClean="0"/>
+              <a:t>Solution</a:t>
+            </a:r>
+          </a:p>
+          <a:p>
+            <a:pPr lvl="1"/>
+            <a:r>
+              <a:rPr lang="ja-JP" altLang="en-US" sz="1200" dirty="0" smtClean="0"/>
+              <a:t>すでに</a:t>
+            </a:r>
+            <a:r>
+              <a:rPr lang="en-US" altLang="ja-JP" sz="1200" dirty="0" smtClean="0"/>
+              <a:t>onboard</a:t>
+            </a:r>
+            <a:r>
+              <a:rPr lang="ja-JP" altLang="en-US" sz="1200" dirty="0" smtClean="0"/>
+              <a:t>のシステムが提案されているが、安全性の面を考慮されていない</a:t>
+            </a:r>
+            <a:endParaRPr kumimoji="1" lang="en-US" altLang="ja-JP" sz="1200" dirty="0" smtClean="0"/>
           </a:p>
           <a:p>
             <a:r>
@@ -4912,11 +5099,81 @@
             </a:r>
           </a:p>
           <a:p>
+            <a:pPr lvl="1"/>
+            <a:r>
+              <a:rPr lang="ja-JP" altLang="en-US" sz="1200" dirty="0" smtClean="0"/>
+              <a:t>電車に内蔵した</a:t>
+            </a:r>
+            <a:r>
+              <a:rPr lang="en-US" altLang="ja-JP" sz="1200" dirty="0" smtClean="0"/>
+              <a:t>GNSS</a:t>
+            </a:r>
+            <a:r>
+              <a:rPr lang="ja-JP" altLang="en-US" sz="1200" dirty="0" smtClean="0"/>
+              <a:t>、速度センサ、</a:t>
+            </a:r>
+            <a:r>
+              <a:rPr lang="ja-JP" altLang="en-US" sz="1200" dirty="0" smtClean="0"/>
+              <a:t>デジタルトラックマップを用いて、完全に</a:t>
+            </a:r>
+            <a:r>
+              <a:rPr lang="en-US" altLang="ja-JP" sz="1200" dirty="0" smtClean="0"/>
+              <a:t>onboard</a:t>
+            </a:r>
+            <a:r>
+              <a:rPr lang="ja-JP" altLang="en-US" sz="1200" dirty="0" smtClean="0"/>
+              <a:t>な測位システムを構成する。センサのノイズなどの不確実性を考慮し、安全性を保証できるようなシステムとすることを目的とする。</a:t>
+            </a:r>
+            <a:endParaRPr lang="en-US" altLang="ja-JP" sz="1200" dirty="0" smtClean="0"/>
+          </a:p>
+          <a:p>
             <a:r>
               <a:rPr kumimoji="1" lang="en-US" altLang="ja-JP" sz="2000" dirty="0" smtClean="0"/>
               <a:t>Result</a:t>
             </a:r>
-            <a:endParaRPr kumimoji="1" lang="ja-JP" altLang="en-US" sz="2000" dirty="0"/>
+          </a:p>
+          <a:p>
+            <a:pPr lvl="1"/>
+            <a:r>
+              <a:rPr lang="ja-JP" altLang="en-US" sz="1200" dirty="0" smtClean="0"/>
+              <a:t>実験によりこのシステムは実際の電車でも導入できた。複数レーンがある時の測位は困難だが、</a:t>
+            </a:r>
+            <a:r>
+              <a:rPr lang="en-US" altLang="ja-JP" sz="1200" dirty="0" smtClean="0"/>
+              <a:t>GNSS</a:t>
+            </a:r>
+            <a:r>
+              <a:rPr lang="ja-JP" altLang="en-US" sz="1200" dirty="0" smtClean="0"/>
+              <a:t>からの情報が十分集まるまで待つことで、間違った決定をしないようにした。</a:t>
+            </a:r>
+            <a:endParaRPr lang="en-US" altLang="ja-JP" sz="1200" dirty="0" smtClean="0"/>
+          </a:p>
+          <a:p>
+            <a:pPr lvl="1"/>
+            <a:r>
+              <a:rPr kumimoji="1" lang="ja-JP" altLang="en-US" sz="1200" dirty="0" smtClean="0"/>
+              <a:t>今後はさらに多様なセンサからの情報を用いて、さらに安全性を向上させたシステムを作る。</a:t>
+            </a:r>
+            <a:endParaRPr kumimoji="1" lang="en-US" altLang="ja-JP" sz="1200" dirty="0" smtClean="0"/>
+          </a:p>
+          <a:p>
+            <a:r>
+              <a:rPr kumimoji="1" lang="ja-JP" altLang="en-US" sz="2000" dirty="0" smtClean="0"/>
+              <a:t>感想</a:t>
+            </a:r>
+            <a:endParaRPr kumimoji="1" lang="en-US" altLang="ja-JP" sz="2000" dirty="0" smtClean="0"/>
+          </a:p>
+          <a:p>
+            <a:pPr lvl="1"/>
+            <a:r>
+              <a:rPr lang="en-US" altLang="ja-JP" sz="1200" dirty="0" smtClean="0"/>
+              <a:t>Train Protection System</a:t>
+            </a:r>
+            <a:r>
+              <a:rPr lang="ja-JP" altLang="en-US" sz="1200" dirty="0" smtClean="0"/>
+              <a:t>のための測位システムなので、正確性がかなり要求される。研究内容的には、自分はセンサ部分の研究なので少し遠いかも</a:t>
+            </a:r>
+            <a:endParaRPr kumimoji="1" lang="ja-JP" altLang="en-US" sz="1200" dirty="0"/>
           </a:p>
         </p:txBody>
       </p:sp>
@@ -4944,10 +5201,47 @@
           </a:p>
         </p:txBody>
       </p:sp>
+      <p:sp>
+        <p:nvSpPr>
+          <p:cNvPr id="5" name="正方形/長方形 4"/>
+          <p:cNvSpPr/>
+          <p:nvPr/>
+        </p:nvSpPr>
+        <p:spPr>
+          <a:xfrm>
+            <a:off x="1087821" y="6369636"/>
+            <a:ext cx="5775434" cy="215444"/>
+          </a:xfrm>
+          <a:prstGeom prst="rect">
+            <a:avLst/>
+          </a:prstGeom>
+        </p:spPr>
+        <p:txBody>
+          <a:bodyPr wrap="square">
+            <a:spAutoFit/>
+          </a:bodyPr>
+          <a:lstStyle/>
+          <a:p>
+            <a:r>
+              <a:rPr lang="en-US" altLang="ja-JP" sz="800" dirty="0" smtClean="0">
+                <a:latin typeface="Times" charset="0"/>
+              </a:rPr>
+              <a:t>IEEE </a:t>
+            </a:r>
+            <a:r>
+              <a:rPr lang="en-US" altLang="ja-JP" sz="800" dirty="0">
+                <a:latin typeface="Times" charset="0"/>
+              </a:rPr>
+              <a:t>TRANSACTIONS ON INTELLIGENT TRANSPORTATION SYSTEMS, VOL. 16, NO. 2, APRIL 2015 </a:t>
+            </a:r>
+            <a:endParaRPr lang="en-US" altLang="ja-JP" dirty="0"/>
+          </a:p>
+        </p:txBody>
+      </p:sp>
     </p:spTree>
     <p:extLst>
       <p:ext uri="{BB962C8B-B14F-4D97-AF65-F5344CB8AC3E}">
-        <p14:creationId xmlns:p14="http://schemas.microsoft.com/office/powerpoint/2010/main" val="1300432430"/>
+        <p14:creationId xmlns:p14="http://schemas.microsoft.com/office/powerpoint/2010/main" val="368072493"/>
       </p:ext>
     </p:extLst>
   </p:cSld>
@@ -5089,7 +5383,7 @@
     </p:spTree>
     <p:extLst>
       <p:ext uri="{BB962C8B-B14F-4D97-AF65-F5344CB8AC3E}">
-        <p14:creationId xmlns:p14="http://schemas.microsoft.com/office/powerpoint/2010/main" val="1013274835"/>
+        <p14:creationId xmlns:p14="http://schemas.microsoft.com/office/powerpoint/2010/main" val="1300432430"/>
       </p:ext>
     </p:extLst>
   </p:cSld>
@@ -5231,7 +5525,7 @@
     </p:spTree>
     <p:extLst>
       <p:ext uri="{BB962C8B-B14F-4D97-AF65-F5344CB8AC3E}">
-        <p14:creationId xmlns:p14="http://schemas.microsoft.com/office/powerpoint/2010/main" val="1239166205"/>
+        <p14:creationId xmlns:p14="http://schemas.microsoft.com/office/powerpoint/2010/main" val="1013274835"/>
       </p:ext>
     </p:extLst>
   </p:cSld>
@@ -5373,7 +5667,7 @@
     </p:spTree>
     <p:extLst>
       <p:ext uri="{BB962C8B-B14F-4D97-AF65-F5344CB8AC3E}">
-        <p14:creationId xmlns:p14="http://schemas.microsoft.com/office/powerpoint/2010/main" val="1605160938"/>
+        <p14:creationId xmlns:p14="http://schemas.microsoft.com/office/powerpoint/2010/main" val="1239166205"/>
       </p:ext>
     </p:extLst>
   </p:cSld>
@@ -5515,7 +5809,7 @@
     </p:spTree>
     <p:extLst>
       <p:ext uri="{BB962C8B-B14F-4D97-AF65-F5344CB8AC3E}">
-        <p14:creationId xmlns:p14="http://schemas.microsoft.com/office/powerpoint/2010/main" val="855407169"/>
+        <p14:creationId xmlns:p14="http://schemas.microsoft.com/office/powerpoint/2010/main" val="1605160938"/>
       </p:ext>
     </p:extLst>
   </p:cSld>
